--- a/250530_KTU신설역사.pptx
+++ b/250530_KTU신설역사.pptx
@@ -5,10 +5,11 @@
     <p:sldMasterId id="2147483648" r:id="rId1"/>
   </p:sldMasterIdLst>
   <p:notesMasterIdLst>
-    <p:notesMasterId r:id="rId3"/>
+    <p:notesMasterId r:id="rId4"/>
   </p:notesMasterIdLst>
   <p:sldIdLst>
     <p:sldId id="259" r:id="rId2"/>
+    <p:sldId id="260" r:id="rId3"/>
   </p:sldIdLst>
   <p:sldSz cx="12192000" cy="6858000"/>
   <p:notesSz cx="6858000" cy="9144000"/>
@@ -197,7 +198,7 @@
           <a:p>
             <a:fld id="{91373E6C-D48E-417B-A102-1DE7973B03A9}" type="datetimeFigureOut">
               <a:rPr lang="ko-KR" altLang="en-US" smtClean="0"/>
-              <a:t>2025-06-04</a:t>
+              <a:t>2025. 12. 28.</a:t>
             </a:fld>
             <a:endParaRPr lang="ko-KR" altLang="en-US"/>
           </a:p>
@@ -611,7 +612,7 @@
           <a:p>
             <a:fld id="{6214EBFD-3478-452A-BF3D-237EC162DD2D}" type="datetimeFigureOut">
               <a:rPr lang="ko-KR" altLang="en-US" smtClean="0"/>
-              <a:t>2025-06-04</a:t>
+              <a:t>2025. 12. 28.</a:t>
             </a:fld>
             <a:endParaRPr lang="ko-KR" altLang="en-US"/>
           </a:p>
@@ -809,7 +810,7 @@
           <a:p>
             <a:fld id="{6214EBFD-3478-452A-BF3D-237EC162DD2D}" type="datetimeFigureOut">
               <a:rPr lang="ko-KR" altLang="en-US" smtClean="0"/>
-              <a:t>2025-06-04</a:t>
+              <a:t>2025. 12. 28.</a:t>
             </a:fld>
             <a:endParaRPr lang="ko-KR" altLang="en-US"/>
           </a:p>
@@ -1017,7 +1018,7 @@
           <a:p>
             <a:fld id="{6214EBFD-3478-452A-BF3D-237EC162DD2D}" type="datetimeFigureOut">
               <a:rPr lang="ko-KR" altLang="en-US" smtClean="0"/>
-              <a:t>2025-06-04</a:t>
+              <a:t>2025. 12. 28.</a:t>
             </a:fld>
             <a:endParaRPr lang="ko-KR" altLang="en-US"/>
           </a:p>
@@ -1215,7 +1216,7 @@
           <a:p>
             <a:fld id="{6214EBFD-3478-452A-BF3D-237EC162DD2D}" type="datetimeFigureOut">
               <a:rPr lang="ko-KR" altLang="en-US" smtClean="0"/>
-              <a:t>2025-06-04</a:t>
+              <a:t>2025. 12. 28.</a:t>
             </a:fld>
             <a:endParaRPr lang="ko-KR" altLang="en-US"/>
           </a:p>
@@ -1490,7 +1491,7 @@
           <a:p>
             <a:fld id="{6214EBFD-3478-452A-BF3D-237EC162DD2D}" type="datetimeFigureOut">
               <a:rPr lang="ko-KR" altLang="en-US" smtClean="0"/>
-              <a:t>2025-06-04</a:t>
+              <a:t>2025. 12. 28.</a:t>
             </a:fld>
             <a:endParaRPr lang="ko-KR" altLang="en-US"/>
           </a:p>
@@ -1755,7 +1756,7 @@
           <a:p>
             <a:fld id="{6214EBFD-3478-452A-BF3D-237EC162DD2D}" type="datetimeFigureOut">
               <a:rPr lang="ko-KR" altLang="en-US" smtClean="0"/>
-              <a:t>2025-06-04</a:t>
+              <a:t>2025. 12. 28.</a:t>
             </a:fld>
             <a:endParaRPr lang="ko-KR" altLang="en-US"/>
           </a:p>
@@ -2167,7 +2168,7 @@
           <a:p>
             <a:fld id="{6214EBFD-3478-452A-BF3D-237EC162DD2D}" type="datetimeFigureOut">
               <a:rPr lang="ko-KR" altLang="en-US" smtClean="0"/>
-              <a:t>2025-06-04</a:t>
+              <a:t>2025. 12. 28.</a:t>
             </a:fld>
             <a:endParaRPr lang="ko-KR" altLang="en-US"/>
           </a:p>
@@ -2308,7 +2309,7 @@
           <a:p>
             <a:fld id="{6214EBFD-3478-452A-BF3D-237EC162DD2D}" type="datetimeFigureOut">
               <a:rPr lang="ko-KR" altLang="en-US" smtClean="0"/>
-              <a:t>2025-06-04</a:t>
+              <a:t>2025. 12. 28.</a:t>
             </a:fld>
             <a:endParaRPr lang="ko-KR" altLang="en-US"/>
           </a:p>
@@ -2421,7 +2422,7 @@
           <a:p>
             <a:fld id="{6214EBFD-3478-452A-BF3D-237EC162DD2D}" type="datetimeFigureOut">
               <a:rPr lang="ko-KR" altLang="en-US" smtClean="0"/>
-              <a:t>2025-06-04</a:t>
+              <a:t>2025. 12. 28.</a:t>
             </a:fld>
             <a:endParaRPr lang="ko-KR" altLang="en-US"/>
           </a:p>
@@ -2732,7 +2733,7 @@
           <a:p>
             <a:fld id="{6214EBFD-3478-452A-BF3D-237EC162DD2D}" type="datetimeFigureOut">
               <a:rPr lang="ko-KR" altLang="en-US" smtClean="0"/>
-              <a:t>2025-06-04</a:t>
+              <a:t>2025. 12. 28.</a:t>
             </a:fld>
             <a:endParaRPr lang="ko-KR" altLang="en-US"/>
           </a:p>
@@ -3020,7 +3021,7 @@
           <a:p>
             <a:fld id="{6214EBFD-3478-452A-BF3D-237EC162DD2D}" type="datetimeFigureOut">
               <a:rPr lang="ko-KR" altLang="en-US" smtClean="0"/>
-              <a:t>2025-06-04</a:t>
+              <a:t>2025. 12. 28.</a:t>
             </a:fld>
             <a:endParaRPr lang="ko-KR" altLang="en-US"/>
           </a:p>
@@ -3261,7 +3262,7 @@
           <a:p>
             <a:fld id="{6214EBFD-3478-452A-BF3D-237EC162DD2D}" type="datetimeFigureOut">
               <a:rPr lang="ko-KR" altLang="en-US" smtClean="0"/>
-              <a:t>2025-06-04</a:t>
+              <a:t>2025. 12. 28.</a:t>
             </a:fld>
             <a:endParaRPr lang="ko-KR" altLang="en-US"/>
           </a:p>
@@ -7064,6 +7065,94 @@
     <p:extLst>
       <p:ext uri="{BB962C8B-B14F-4D97-AF65-F5344CB8AC3E}">
         <p14:creationId xmlns:p14="http://schemas.microsoft.com/office/powerpoint/2010/main" val="3062398834"/>
+      </p:ext>
+    </p:extLst>
+  </p:cSld>
+  <p:clrMapOvr>
+    <a:masterClrMapping/>
+  </p:clrMapOvr>
+</p:sld>
+</file>
+
+<file path=ppt/slides/slide2.xml><?xml version="1.0" encoding="utf-8"?>
+<p:sld xmlns:a="http://schemas.openxmlformats.org/drawingml/2006/main" xmlns:r="http://schemas.openxmlformats.org/officeDocument/2006/relationships" xmlns:p="http://schemas.openxmlformats.org/presentationml/2006/main">
+  <p:cSld>
+    <p:spTree>
+      <p:nvGrpSpPr>
+        <p:cNvPr id="1" name=""/>
+        <p:cNvGrpSpPr/>
+        <p:nvPr/>
+      </p:nvGrpSpPr>
+      <p:grpSpPr>
+        <a:xfrm>
+          <a:off x="0" y="0"/>
+          <a:ext cx="0" cy="0"/>
+          <a:chOff x="0" y="0"/>
+          <a:chExt cx="0" cy="0"/>
+        </a:xfrm>
+      </p:grpSpPr>
+      <p:sp>
+        <p:nvSpPr>
+          <p:cNvPr id="2" name="제목 1">
+            <a:extLst>
+              <a:ext uri="{FF2B5EF4-FFF2-40B4-BE49-F238E27FC236}">
+                <a16:creationId xmlns:a16="http://schemas.microsoft.com/office/drawing/2014/main" id="{CC64329D-B7A7-5ECF-F65F-17DB3EA7A823}"/>
+              </a:ext>
+            </a:extLst>
+          </p:cNvPr>
+          <p:cNvSpPr>
+            <a:spLocks noGrp="1"/>
+          </p:cNvSpPr>
+          <p:nvPr>
+            <p:ph type="title"/>
+          </p:nvPr>
+        </p:nvSpPr>
+        <p:spPr/>
+        <p:txBody>
+          <a:bodyPr/>
+          <a:lstStyle/>
+          <a:p>
+            <a:r>
+              <a:rPr lang="ko-KR" altLang="en-US" dirty="0" err="1"/>
+              <a:t>ㄹㄹㅇㄴㅁㄹ</a:t>
+            </a:r>
+            <a:endParaRPr lang="ko-US" dirty="0"/>
+          </a:p>
+        </p:txBody>
+      </p:sp>
+      <p:sp>
+        <p:nvSpPr>
+          <p:cNvPr id="3" name="내용 개체 틀 2">
+            <a:extLst>
+              <a:ext uri="{FF2B5EF4-FFF2-40B4-BE49-F238E27FC236}">
+                <a16:creationId xmlns:a16="http://schemas.microsoft.com/office/drawing/2014/main" id="{D9F169C0-946C-95A8-ED5B-3675A9CE5C02}"/>
+              </a:ext>
+            </a:extLst>
+          </p:cNvPr>
+          <p:cNvSpPr>
+            <a:spLocks noGrp="1"/>
+          </p:cNvSpPr>
+          <p:nvPr>
+            <p:ph idx="1"/>
+          </p:nvPr>
+        </p:nvSpPr>
+        <p:spPr/>
+        <p:txBody>
+          <a:bodyPr/>
+          <a:lstStyle/>
+          <a:p>
+            <a:r>
+              <a:rPr lang="ko-KR" altLang="en-US"/>
+              <a:t>ㄹㅇㄴㅁㄹㅇㄴㅁㄹㅁㄴ</a:t>
+            </a:r>
+            <a:endParaRPr lang="ko-US"/>
+          </a:p>
+        </p:txBody>
+      </p:sp>
+    </p:spTree>
+    <p:extLst>
+      <p:ext uri="{BB962C8B-B14F-4D97-AF65-F5344CB8AC3E}">
+        <p14:creationId xmlns:p14="http://schemas.microsoft.com/office/powerpoint/2010/main" val="1073735630"/>
       </p:ext>
     </p:extLst>
   </p:cSld>
